--- a/PPT/07.06.2024.pptx
+++ b/PPT/07.06.2024.pptx
@@ -5,13 +5,14 @@
     <p:sldMasterId id="2147483648" r:id="rId1"/>
   </p:sldMasterIdLst>
   <p:notesMasterIdLst>
-    <p:notesMasterId r:id="rId6"/>
+    <p:notesMasterId r:id="rId7"/>
   </p:notesMasterIdLst>
   <p:sldIdLst>
     <p:sldId id="256" r:id="rId2"/>
     <p:sldId id="257" r:id="rId3"/>
     <p:sldId id="258" r:id="rId4"/>
     <p:sldId id="260" r:id="rId5"/>
+    <p:sldId id="261" r:id="rId6"/>
   </p:sldIdLst>
   <p:sldSz cx="12192000" cy="6858000"/>
   <p:notesSz cx="6858000" cy="9144000"/>
@@ -200,7 +201,7 @@
           <a:p>
             <a:fld id="{AF69854D-8824-4B36-AB1B-B173DCF7D9D4}" type="datetimeFigureOut">
               <a:rPr lang="zh-TW" altLang="en-US" smtClean="0"/>
-              <a:t>2024/6/6</a:t>
+              <a:t>2024/6/7</a:t>
             </a:fld>
             <a:endParaRPr lang="zh-TW" altLang="en-US"/>
           </a:p>
@@ -614,7 +615,7 @@
           <a:p>
             <a:fld id="{B5F8C0AE-9C4C-4618-93BF-38CF3B495014}" type="datetime1">
               <a:rPr lang="zh-TW" altLang="en-US" smtClean="0"/>
-              <a:t>2024/6/6</a:t>
+              <a:t>2024/6/7</a:t>
             </a:fld>
             <a:endParaRPr lang="zh-TW" altLang="en-US"/>
           </a:p>
@@ -812,7 +813,7 @@
           <a:p>
             <a:fld id="{919E14F5-FE3F-41E6-A1DA-9B9F68B0A225}" type="datetime1">
               <a:rPr lang="zh-TW" altLang="en-US" smtClean="0"/>
-              <a:t>2024/6/6</a:t>
+              <a:t>2024/6/7</a:t>
             </a:fld>
             <a:endParaRPr lang="zh-TW" altLang="en-US"/>
           </a:p>
@@ -1020,7 +1021,7 @@
           <a:p>
             <a:fld id="{C511DF96-0F5E-45CD-BEEC-6C0FA2AA6155}" type="datetime1">
               <a:rPr lang="zh-TW" altLang="en-US" smtClean="0"/>
-              <a:t>2024/6/6</a:t>
+              <a:t>2024/6/7</a:t>
             </a:fld>
             <a:endParaRPr lang="zh-TW" altLang="en-US"/>
           </a:p>
@@ -1218,7 +1219,7 @@
           <a:p>
             <a:fld id="{46F41627-3BCC-43C6-BF37-85FCD629411D}" type="datetime1">
               <a:rPr lang="zh-TW" altLang="en-US" smtClean="0"/>
-              <a:t>2024/6/6</a:t>
+              <a:t>2024/6/7</a:t>
             </a:fld>
             <a:endParaRPr lang="zh-TW" altLang="en-US"/>
           </a:p>
@@ -1493,7 +1494,7 @@
           <a:p>
             <a:fld id="{CED6027D-C05A-4C96-A075-9622501D55B2}" type="datetime1">
               <a:rPr lang="zh-TW" altLang="en-US" smtClean="0"/>
-              <a:t>2024/6/6</a:t>
+              <a:t>2024/6/7</a:t>
             </a:fld>
             <a:endParaRPr lang="zh-TW" altLang="en-US"/>
           </a:p>
@@ -1758,7 +1759,7 @@
           <a:p>
             <a:fld id="{38EC6E60-CBA4-4492-9A56-161A3CF8C6E7}" type="datetime1">
               <a:rPr lang="zh-TW" altLang="en-US" smtClean="0"/>
-              <a:t>2024/6/6</a:t>
+              <a:t>2024/6/7</a:t>
             </a:fld>
             <a:endParaRPr lang="zh-TW" altLang="en-US"/>
           </a:p>
@@ -2170,7 +2171,7 @@
           <a:p>
             <a:fld id="{F7F82272-DF8C-4361-A604-20FDB225DA9F}" type="datetime1">
               <a:rPr lang="zh-TW" altLang="en-US" smtClean="0"/>
-              <a:t>2024/6/6</a:t>
+              <a:t>2024/6/7</a:t>
             </a:fld>
             <a:endParaRPr lang="zh-TW" altLang="en-US"/>
           </a:p>
@@ -2311,7 +2312,7 @@
           <a:p>
             <a:fld id="{D39D9ABC-C0CE-4D9A-BD86-1B386D00CF9A}" type="datetime1">
               <a:rPr lang="zh-TW" altLang="en-US" smtClean="0"/>
-              <a:t>2024/6/6</a:t>
+              <a:t>2024/6/7</a:t>
             </a:fld>
             <a:endParaRPr lang="zh-TW" altLang="en-US"/>
           </a:p>
@@ -2424,7 +2425,7 @@
           <a:p>
             <a:fld id="{81A069EE-020D-4BC1-8076-83B1ABBD232D}" type="datetime1">
               <a:rPr lang="zh-TW" altLang="en-US" smtClean="0"/>
-              <a:t>2024/6/6</a:t>
+              <a:t>2024/6/7</a:t>
             </a:fld>
             <a:endParaRPr lang="zh-TW" altLang="en-US"/>
           </a:p>
@@ -2735,7 +2736,7 @@
           <a:p>
             <a:fld id="{F242C51C-0502-4C14-91E8-7C365F22835A}" type="datetime1">
               <a:rPr lang="zh-TW" altLang="en-US" smtClean="0"/>
-              <a:t>2024/6/6</a:t>
+              <a:t>2024/6/7</a:t>
             </a:fld>
             <a:endParaRPr lang="zh-TW" altLang="en-US"/>
           </a:p>
@@ -3023,7 +3024,7 @@
           <a:p>
             <a:fld id="{33BC40EB-416B-43CA-9EE3-1606ACDB64D7}" type="datetime1">
               <a:rPr lang="zh-TW" altLang="en-US" smtClean="0"/>
-              <a:t>2024/6/6</a:t>
+              <a:t>2024/6/7</a:t>
             </a:fld>
             <a:endParaRPr lang="zh-TW" altLang="en-US"/>
           </a:p>
@@ -3264,7 +3265,7 @@
           <a:p>
             <a:fld id="{7ED445C0-AFDE-4E19-BAC9-2554E1DF7D7C}" type="datetime1">
               <a:rPr lang="zh-TW" altLang="en-US" smtClean="0"/>
-              <a:t>2024/6/6</a:t>
+              <a:t>2024/6/7</a:t>
             </a:fld>
             <a:endParaRPr lang="zh-TW" altLang="en-US"/>
           </a:p>
@@ -4193,6 +4194,187 @@
     <p:extLst>
       <p:ext uri="{BB962C8B-B14F-4D97-AF65-F5344CB8AC3E}">
         <p14:creationId xmlns:p14="http://schemas.microsoft.com/office/powerpoint/2010/main" val="1583613172"/>
+      </p:ext>
+    </p:extLst>
+  </p:cSld>
+  <p:clrMapOvr>
+    <a:masterClrMapping/>
+  </p:clrMapOvr>
+</p:sld>
+</file>
+
+<file path=ppt/slides/slide5.xml><?xml version="1.0" encoding="utf-8"?>
+<p:sld xmlns:a="http://schemas.openxmlformats.org/drawingml/2006/main" xmlns:r="http://schemas.openxmlformats.org/officeDocument/2006/relationships" xmlns:p="http://schemas.openxmlformats.org/presentationml/2006/main">
+  <p:cSld>
+    <p:spTree>
+      <p:nvGrpSpPr>
+        <p:cNvPr id="1" name=""/>
+        <p:cNvGrpSpPr/>
+        <p:nvPr/>
+      </p:nvGrpSpPr>
+      <p:grpSpPr>
+        <a:xfrm>
+          <a:off x="0" y="0"/>
+          <a:ext cx="0" cy="0"/>
+          <a:chOff x="0" y="0"/>
+          <a:chExt cx="0" cy="0"/>
+        </a:xfrm>
+      </p:grpSpPr>
+      <p:sp>
+        <p:nvSpPr>
+          <p:cNvPr id="2" name="投影片編號版面配置區 1">
+            <a:extLst>
+              <a:ext uri="{FF2B5EF4-FFF2-40B4-BE49-F238E27FC236}">
+                <a16:creationId xmlns:a16="http://schemas.microsoft.com/office/drawing/2014/main" id="{FF74BDAB-782D-B369-468E-289845F02AAB}"/>
+              </a:ext>
+            </a:extLst>
+          </p:cNvPr>
+          <p:cNvSpPr>
+            <a:spLocks noGrp="1"/>
+          </p:cNvSpPr>
+          <p:nvPr>
+            <p:ph type="sldNum" sz="quarter" idx="12"/>
+          </p:nvPr>
+        </p:nvSpPr>
+        <p:spPr/>
+        <p:txBody>
+          <a:bodyPr/>
+          <a:lstStyle/>
+          <a:p>
+            <a:fld id="{0A4A6843-E5AB-4A80-9B99-B4D0D6B6DCBD}" type="slidenum">
+              <a:rPr lang="zh-TW" altLang="en-US" smtClean="0"/>
+              <a:t>5</a:t>
+            </a:fld>
+            <a:endParaRPr lang="zh-TW" altLang="en-US" dirty="0"/>
+          </a:p>
+        </p:txBody>
+      </p:sp>
+      <p:sp>
+        <p:nvSpPr>
+          <p:cNvPr id="6" name="文字方塊 5">
+            <a:extLst>
+              <a:ext uri="{FF2B5EF4-FFF2-40B4-BE49-F238E27FC236}">
+                <a16:creationId xmlns:a16="http://schemas.microsoft.com/office/drawing/2014/main" id="{F9AEF5C4-7204-8677-982C-204685219624}"/>
+              </a:ext>
+            </a:extLst>
+          </p:cNvPr>
+          <p:cNvSpPr txBox="1"/>
+          <p:nvPr/>
+        </p:nvSpPr>
+        <p:spPr>
+          <a:xfrm>
+            <a:off x="2038662" y="1049311"/>
+            <a:ext cx="6355830" cy="5355312"/>
+          </a:xfrm>
+          <a:prstGeom prst="rect">
+            <a:avLst/>
+          </a:prstGeom>
+          <a:noFill/>
+        </p:spPr>
+        <p:txBody>
+          <a:bodyPr wrap="square" rtlCol="0">
+            <a:spAutoFit/>
+          </a:bodyPr>
+          <a:lstStyle/>
+          <a:p>
+            <a:r>
+              <a:rPr lang="en-US" altLang="zh-TW" dirty="0"/>
+              <a:t>1.Introduction: </a:t>
+            </a:r>
+          </a:p>
+          <a:p>
+            <a:r>
+              <a:rPr lang="en-US" altLang="zh-TW" dirty="0"/>
+              <a:t>from AD and Avs to simulation (Scenic), and then introduce the problems of lacking the scenarios for cybersecurity of sensors. (LiDAR and camera)</a:t>
+            </a:r>
+          </a:p>
+          <a:p>
+            <a:r>
+              <a:rPr lang="en-US" altLang="zh-TW" dirty="0"/>
+              <a:t>2.Previous work:</a:t>
+            </a:r>
+          </a:p>
+          <a:p>
+            <a:r>
+              <a:rPr lang="en-US" altLang="zh-TW" dirty="0"/>
+              <a:t>Separating into 3 subsections: existing SDL tool, attacks on LiDAR and camera, </a:t>
+            </a:r>
+            <a:r>
+              <a:rPr lang="en-US" altLang="zh-TW" dirty="0" err="1"/>
+              <a:t>systeamatic</a:t>
+            </a:r>
+            <a:r>
+              <a:rPr lang="en-US" altLang="zh-TW" dirty="0"/>
+              <a:t> generating scenarios and world model</a:t>
+            </a:r>
+          </a:p>
+          <a:p>
+            <a:r>
+              <a:rPr lang="en-US" altLang="zh-TW" dirty="0"/>
+              <a:t>About existing tool: Talking about what Scenic provide and how it works, and then points </a:t>
+            </a:r>
+          </a:p>
+          <a:p>
+            <a:r>
+              <a:rPr lang="en-US" altLang="zh-TW" dirty="0"/>
+              <a:t>3.Challenges and solutions:</a:t>
+            </a:r>
+          </a:p>
+          <a:p>
+            <a:r>
+              <a:rPr lang="en-US" altLang="zh-TW" dirty="0"/>
+              <a:t>First, sorting out the challenges of the existing SDL tool:</a:t>
+            </a:r>
+          </a:p>
+          <a:p>
+            <a:pPr marL="342900" indent="-342900">
+              <a:buAutoNum type="alphaLcPeriod"/>
+            </a:pPr>
+            <a:r>
+              <a:rPr lang="en-US" altLang="zh-TW" dirty="0"/>
+              <a:t>No consideration of the cybersecurity attack</a:t>
+            </a:r>
+          </a:p>
+          <a:p>
+            <a:pPr marL="342900" indent="-342900">
+              <a:buAutoNum type="alphaLcPeriod"/>
+            </a:pPr>
+            <a:r>
+              <a:rPr lang="en-US" altLang="zh-TW" dirty="0"/>
+              <a:t>No systematic way to transform the attacks into scenarios.</a:t>
+            </a:r>
+          </a:p>
+          <a:p>
+            <a:r>
+              <a:rPr lang="en-US" altLang="zh-TW" dirty="0"/>
+              <a:t>Then,</a:t>
+            </a:r>
+          </a:p>
+          <a:p>
+            <a:r>
+              <a:rPr lang="en-US" altLang="zh-TW" dirty="0"/>
+              <a:t>Talking about how to use the third subsection in second section to do this in theory. </a:t>
+            </a:r>
+          </a:p>
+          <a:p>
+            <a:r>
+              <a:rPr lang="en-US" altLang="zh-TW" dirty="0"/>
+              <a:t>4. Conclusion</a:t>
+            </a:r>
+          </a:p>
+          <a:p>
+            <a:r>
+              <a:rPr lang="en-US" altLang="zh-TW" dirty="0"/>
+              <a:t>Stressing out the need of this improvements.</a:t>
+            </a:r>
+            <a:endParaRPr lang="zh-TW" altLang="en-US" dirty="0"/>
+          </a:p>
+        </p:txBody>
+      </p:sp>
+    </p:spTree>
+    <p:extLst>
+      <p:ext uri="{BB962C8B-B14F-4D97-AF65-F5344CB8AC3E}">
+        <p14:creationId xmlns:p14="http://schemas.microsoft.com/office/powerpoint/2010/main" val="2967701493"/>
       </p:ext>
     </p:extLst>
   </p:cSld>
